--- a/docs/elaborato.pptx
+++ b/docs/elaborato.pptx
@@ -19287,6 +19287,79 @@
           </p:txBody>
         </p:sp>
       </p:grpSp>
+      <p:sp>
+        <p:nvSpPr>
+          <p:cNvPr id="2" name="Google Shape;1074;p38">
+            <a:extLst>
+              <a:ext uri="{FF2B5EF4-FFF2-40B4-BE49-F238E27FC236}">
+                <a16:creationId xmlns:a16="http://schemas.microsoft.com/office/drawing/2014/main" id="{2253E070-5728-71A6-F35A-DBA4B6A6DA0A}"/>
+              </a:ext>
+            </a:extLst>
+          </p:cNvPr>
+          <p:cNvSpPr txBox="1"/>
+          <p:nvPr/>
+        </p:nvSpPr>
+        <p:spPr>
+          <a:xfrm>
+            <a:off x="3674154" y="817458"/>
+            <a:ext cx="1795491" cy="252900"/>
+          </a:xfrm>
+          <a:prstGeom prst="rect">
+            <a:avLst/>
+          </a:prstGeom>
+          <a:noFill/>
+          <a:ln>
+            <a:noFill/>
+          </a:ln>
+        </p:spPr>
+        <p:txBody>
+          <a:bodyPr spcFirstLastPara="1" wrap="square" lIns="91425" tIns="91425" rIns="91425" bIns="91425" anchor="ctr" anchorCtr="0">
+            <a:noAutofit/>
+          </a:bodyPr>
+          <a:lstStyle/>
+          <a:p>
+            <a:pPr marL="0" lvl="0" indent="0" algn="ctr" rtl="0">
+              <a:spcBef>
+                <a:spcPts val="0"/>
+              </a:spcBef>
+              <a:spcAft>
+                <a:spcPts val="0"/>
+              </a:spcAft>
+              <a:buNone/>
+            </a:pPr>
+            <a:r>
+              <a:rPr lang="en-US" sz="800" b="1" u="sng" noProof="0" dirty="0">
+                <a:solidFill>
+                  <a:srgbClr val="869FB2"/>
+                </a:solidFill>
+                <a:latin typeface="Roboto" panose="02000000000000000000" pitchFamily="2" charset="0"/>
+                <a:ea typeface="Roboto" panose="02000000000000000000" pitchFamily="2" charset="0"/>
+                <a:cs typeface="Roboto" panose="02000000000000000000" pitchFamily="2" charset="0"/>
+                <a:hlinkClick r:id="rId9">
+                  <a:extLst>
+                    <a:ext uri="{A12FA001-AC4F-418D-AE19-62706E023703}">
+                      <ahyp:hlinkClr xmlns:ahyp="http://schemas.microsoft.com/office/drawing/2018/hyperlinkcolor" val="tx"/>
+                    </a:ext>
+                  </a:extLst>
+                </a:hlinkClick>
+              </a:rPr>
+              <a:t>GitHub Repo</a:t>
+            </a:r>
+            <a:r>
+              <a:rPr lang="en-US" sz="800" noProof="0" dirty="0">
+                <a:solidFill>
+                  <a:schemeClr val="dk1"/>
+                </a:solidFill>
+                <a:latin typeface="Roboto" panose="02000000000000000000" pitchFamily="2" charset="0"/>
+                <a:ea typeface="Roboto" panose="02000000000000000000" pitchFamily="2" charset="0"/>
+                <a:cs typeface="Roboto" panose="02000000000000000000" pitchFamily="2" charset="0"/>
+                <a:sym typeface="Roboto"/>
+              </a:rPr>
+              <a:t> </a:t>
+            </a:r>
+          </a:p>
+        </p:txBody>
+      </p:sp>
     </p:spTree>
     <p:extLst>
       <p:ext uri="{BB962C8B-B14F-4D97-AF65-F5344CB8AC3E}">

--- a/docs/elaborato.pptx
+++ b/docs/elaborato.pptx
@@ -12564,7 +12564,31 @@
                   <a:cs typeface="Roboto"/>
                   <a:sym typeface="Roboto"/>
                 </a:rPr>
-                <a:t>Single qubit gates requires just a lookup in a table O(1)</a:t>
+                <a:t>Single qubit gates requires just a </a:t>
+              </a:r>
+              <a:r>
+                <a:rPr lang="en-US" sz="1200" b="1" dirty="0">
+                  <a:solidFill>
+                    <a:schemeClr val="dk1"/>
+                  </a:solidFill>
+                  <a:latin typeface="Roboto"/>
+                  <a:ea typeface="Roboto"/>
+                  <a:cs typeface="Roboto"/>
+                  <a:sym typeface="Roboto"/>
+                </a:rPr>
+                <a:t>lookup in a table</a:t>
+              </a:r>
+              <a:r>
+                <a:rPr lang="en-US" sz="1200" dirty="0">
+                  <a:solidFill>
+                    <a:schemeClr val="dk1"/>
+                  </a:solidFill>
+                  <a:latin typeface="Roboto"/>
+                  <a:ea typeface="Roboto"/>
+                  <a:cs typeface="Roboto"/>
+                  <a:sym typeface="Roboto"/>
+                </a:rPr>
+                <a:t> O(1)</a:t>
               </a:r>
             </a:p>
             <a:p>
@@ -12600,7 +12624,31 @@
                   <a:cs typeface="Roboto"/>
                   <a:sym typeface="Roboto"/>
                 </a:rPr>
-                <a:t> requires to remove the deg a edges of the measured vertex a O(d)</a:t>
+                <a:t> requires to </a:t>
+              </a:r>
+              <a:r>
+                <a:rPr lang="en-US" sz="1200" b="1" dirty="0">
+                  <a:solidFill>
+                    <a:schemeClr val="dk1"/>
+                  </a:solidFill>
+                  <a:latin typeface="Roboto"/>
+                  <a:ea typeface="Roboto"/>
+                  <a:cs typeface="Roboto"/>
+                  <a:sym typeface="Roboto"/>
+                </a:rPr>
+                <a:t>remove the edges </a:t>
+              </a:r>
+              <a:r>
+                <a:rPr lang="en-US" sz="1200" dirty="0">
+                  <a:solidFill>
+                    <a:schemeClr val="dk1"/>
+                  </a:solidFill>
+                  <a:latin typeface="Roboto"/>
+                  <a:ea typeface="Roboto"/>
+                  <a:cs typeface="Roboto"/>
+                  <a:sym typeface="Roboto"/>
+                </a:rPr>
+                <a:t>of the measured vertex a O(d)</a:t>
               </a:r>
             </a:p>
             <a:p>
@@ -12624,7 +12672,31 @@
                   <a:cs typeface="Roboto"/>
                   <a:sym typeface="Roboto"/>
                 </a:rPr>
-                <a:t>Y, X measurements require local complementation O(d</a:t>
+                <a:t>Y, X measurements require </a:t>
+              </a:r>
+              <a:r>
+                <a:rPr lang="en-US" sz="1200" b="1" noProof="0" dirty="0">
+                  <a:solidFill>
+                    <a:schemeClr val="dk1"/>
+                  </a:solidFill>
+                  <a:latin typeface="Roboto"/>
+                  <a:ea typeface="Roboto"/>
+                  <a:cs typeface="Roboto"/>
+                  <a:sym typeface="Roboto"/>
+                </a:rPr>
+                <a:t>local complementation </a:t>
+              </a:r>
+              <a:r>
+                <a:rPr lang="en-US" sz="1200" noProof="0" dirty="0">
+                  <a:solidFill>
+                    <a:schemeClr val="dk1"/>
+                  </a:solidFill>
+                  <a:latin typeface="Roboto"/>
+                  <a:ea typeface="Roboto"/>
+                  <a:cs typeface="Roboto"/>
+                  <a:sym typeface="Roboto"/>
+                </a:rPr>
+                <a:t>O(d</a:t>
               </a:r>
               <a:r>
                 <a:rPr lang="en-US" sz="1200" baseline="30000" noProof="0" dirty="0">
@@ -12672,7 +12744,31 @@
                   <a:cs typeface="Roboto"/>
                   <a:sym typeface="Roboto"/>
                 </a:rPr>
-                <a:t>Two qubit gates require 5 local complementation O(d</a:t>
+                <a:t>Two qubit gates require </a:t>
+              </a:r>
+              <a:r>
+                <a:rPr lang="en-US" sz="1200" b="1" dirty="0">
+                  <a:solidFill>
+                    <a:schemeClr val="dk1"/>
+                  </a:solidFill>
+                  <a:latin typeface="Roboto"/>
+                  <a:ea typeface="Roboto"/>
+                  <a:cs typeface="Roboto"/>
+                  <a:sym typeface="Roboto"/>
+                </a:rPr>
+                <a:t>5 local complementation </a:t>
+              </a:r>
+              <a:r>
+                <a:rPr lang="en-US" sz="1200" dirty="0">
+                  <a:solidFill>
+                    <a:schemeClr val="dk1"/>
+                  </a:solidFill>
+                  <a:latin typeface="Roboto"/>
+                  <a:ea typeface="Roboto"/>
+                  <a:cs typeface="Roboto"/>
+                  <a:sym typeface="Roboto"/>
+                </a:rPr>
+                <a:t>O(d</a:t>
               </a:r>
               <a:r>
                 <a:rPr lang="en-US" sz="1200" baseline="30000" dirty="0">
@@ -12912,10 +13008,22 @@
                   <a:cs typeface="Roboto"/>
                   <a:sym typeface="Roboto"/>
                 </a:rPr>
-                <a:t>) where d is the average number of </a:t>
+                <a:t>) where </a:t>
               </a:r>
               <a:r>
-                <a:rPr lang="en-US" sz="1200" noProof="0" dirty="0" err="1">
+                <a:rPr lang="en-US" sz="1200" b="1" noProof="0" dirty="0">
+                  <a:solidFill>
+                    <a:schemeClr val="dk1"/>
+                  </a:solidFill>
+                  <a:latin typeface="Roboto"/>
+                  <a:ea typeface="Roboto"/>
+                  <a:cs typeface="Roboto"/>
+                  <a:sym typeface="Roboto"/>
+                </a:rPr>
+                <a:t>d is the average number of </a:t>
+              </a:r>
+              <a:r>
+                <a:rPr lang="en-US" sz="1200" b="1" noProof="0" dirty="0" err="1">
                   <a:solidFill>
                     <a:schemeClr val="dk1"/>
                   </a:solidFill>
@@ -12962,7 +13070,7 @@
                 <a:buNone/>
               </a:pPr>
               <a:r>
-                <a:rPr lang="en-US" sz="1200" dirty="0">
+                <a:rPr lang="en-US" sz="1200" b="1" dirty="0">
                   <a:solidFill>
                     <a:schemeClr val="dk1"/>
                   </a:solidFill>
@@ -12974,7 +13082,7 @@
                 <a:t>Usually the </a:t>
               </a:r>
               <a:r>
-                <a:rPr lang="en-US" sz="1200" dirty="0" err="1">
+                <a:rPr lang="en-US" sz="1200" b="1" dirty="0" err="1">
                   <a:solidFill>
                     <a:schemeClr val="dk1"/>
                   </a:solidFill>
@@ -12986,7 +13094,7 @@
                 <a:t>neighbours</a:t>
               </a:r>
               <a:r>
-                <a:rPr lang="en-US" sz="1200" dirty="0">
+                <a:rPr lang="en-US" sz="1200" b="1" dirty="0">
                   <a:solidFill>
                     <a:schemeClr val="dk1"/>
                   </a:solidFill>
@@ -12998,7 +13106,7 @@
                 <a:t> are O(</a:t>
               </a:r>
               <a:r>
-                <a:rPr lang="en-US" sz="1200" dirty="0" err="1">
+                <a:rPr lang="en-US" sz="1200" b="1" dirty="0" err="1">
                   <a:solidFill>
                     <a:schemeClr val="dk1"/>
                   </a:solidFill>
@@ -13010,6 +13118,18 @@
                 <a:t>logn</a:t>
               </a:r>
               <a:r>
+                <a:rPr lang="en-US" sz="1200" b="1" dirty="0">
+                  <a:solidFill>
+                    <a:schemeClr val="dk1"/>
+                  </a:solidFill>
+                  <a:latin typeface="Roboto"/>
+                  <a:ea typeface="Roboto"/>
+                  <a:cs typeface="Roboto"/>
+                  <a:sym typeface="Roboto"/>
+                </a:rPr>
+                <a:t>)</a:t>
+              </a:r>
+              <a:r>
                 <a:rPr lang="en-US" sz="1200" dirty="0">
                   <a:solidFill>
                     <a:schemeClr val="dk1"/>
@@ -13019,7 +13139,31 @@
                   <a:cs typeface="Roboto"/>
                   <a:sym typeface="Roboto"/>
                 </a:rPr>
-                <a:t>), but in worst case are O(n) and in this case we have no improvements in confront of CHP</a:t>
+                <a:t>,</a:t>
+              </a:r>
+              <a:r>
+                <a:rPr lang="en-US" sz="1200" b="1" dirty="0">
+                  <a:solidFill>
+                    <a:schemeClr val="dk1"/>
+                  </a:solidFill>
+                  <a:latin typeface="Roboto"/>
+                  <a:ea typeface="Roboto"/>
+                  <a:cs typeface="Roboto"/>
+                  <a:sym typeface="Roboto"/>
+                </a:rPr>
+                <a:t> </a:t>
+              </a:r>
+              <a:r>
+                <a:rPr lang="en-US" sz="1200" dirty="0">
+                  <a:solidFill>
+                    <a:schemeClr val="dk1"/>
+                  </a:solidFill>
+                  <a:latin typeface="Roboto"/>
+                  <a:ea typeface="Roboto"/>
+                  <a:cs typeface="Roboto"/>
+                  <a:sym typeface="Roboto"/>
+                </a:rPr>
+                <a:t>but in worst case are O(n) and in this case we have no improvements in confront of CHP</a:t>
               </a:r>
             </a:p>
           </p:txBody>

--- a/docs/elaborato.pptx
+++ b/docs/elaborato.pptx
@@ -14085,7 +14085,7 @@
         </p:blipFill>
         <p:spPr>
           <a:xfrm>
-            <a:off x="4015207" y="3704307"/>
+            <a:off x="4050740" y="3704307"/>
             <a:ext cx="1971775" cy="1375910"/>
           </a:xfrm>
           <a:prstGeom prst="rect">
